--- a/02 - Semestre/02 - Projeto_2Sem/Apresentação FoodClub - Eng2.pptx
+++ b/02 - Semestre/02 - Projeto_2Sem/Apresentação FoodClub - Eng2.pptx
@@ -223,7 +223,7 @@
             <a:fld id="{957E3F99-D12F-4954-A61D-F49FB68D10A3}" type="datetimeFigureOut">
               <a:rPr lang="pt-BR" smtClean="0"/>
               <a:pPr/>
-              <a:t>25/06/2024</a:t>
+              <a:t>26/06/2024</a:t>
             </a:fld>
             <a:endParaRPr lang="pt-BR"/>
           </a:p>
@@ -390,7 +390,7 @@
           <a:p>
             <a:fld id="{9EAB1CE6-8F3D-4AFD-A409-3AD4E3F5533B}" type="datetimeFigureOut">
               <a:rPr lang="pt-BR" smtClean="0"/>
-              <a:t>25/06/2024</a:t>
+              <a:t>26/06/2024</a:t>
             </a:fld>
             <a:endParaRPr lang="pt-BR"/>
           </a:p>
@@ -817,7 +817,7 @@
           <a:p>
             <a:fld id="{3D5CD8D2-619D-4402-946F-26D241F5F5CC}" type="datetime1">
               <a:rPr lang="pt-BR" smtClean="0"/>
-              <a:t>25/06/2024</a:t>
+              <a:t>26/06/2024</a:t>
             </a:fld>
             <a:endParaRPr lang="pt-BR"/>
           </a:p>
@@ -1128,7 +1128,7 @@
           <a:p>
             <a:fld id="{1A43C5A2-FA6F-4595-92BC-2DACE1A39B61}" type="datetime1">
               <a:rPr lang="pt-BR" smtClean="0"/>
-              <a:t>25/06/2024</a:t>
+              <a:t>26/06/2024</a:t>
             </a:fld>
             <a:endParaRPr lang="pt-BR"/>
           </a:p>
@@ -3041,7 +3041,7 @@
                 <a:uFillTx/>
                 <a:latin typeface="Oswald"/>
               </a:rPr>
-              <a:t>É uma plataforma que facilita a comunicação entre restaurantes e empresas de pequeno e médio porte, proporcionando uma maneira simples para os funcionários escolherem o local de onde desejam pedir o refeição.</a:t>
+              <a:t>É uma plataforma que facilita a comunicação entre restaurantes e empresas de pequeno e médio porte, proporcionando uma maneira simples para os funcionários escolherem o local de onde desejam pedir a refeição.</a:t>
             </a:r>
             <a:endParaRPr lang="pt-BR" sz="2000" dirty="0">
               <a:solidFill>
@@ -6369,6 +6369,21 @@
 </file>
 
 <file path=customXml/item1.xml><?xml version="1.0" encoding="utf-8"?>
+<?mso-contentType ?>
+<FormTemplates xmlns="http://schemas.microsoft.com/sharepoint/v3/contenttype/forms">
+  <Display>DocumentLibraryForm</Display>
+  <Edit>DocumentLibraryForm</Edit>
+  <New>DocumentLibraryForm</New>
+</FormTemplates>
+</file>
+
+<file path=customXml/item2.xml><?xml version="1.0" encoding="utf-8"?>
+<p:properties xmlns:p="http://schemas.microsoft.com/office/2006/metadata/properties" xmlns:xsi="http://www.w3.org/2001/XMLSchema-instance" xmlns:pc="http://schemas.microsoft.com/office/infopath/2007/PartnerControls">
+  <documentManagement/>
+</p:properties>
+</file>
+
+<file path=customXml/item3.xml><?xml version="1.0" encoding="utf-8"?>
 <ct:contentTypeSchema xmlns:ct="http://schemas.microsoft.com/office/2006/metadata/contentType" xmlns:ma="http://schemas.microsoft.com/office/2006/metadata/properties/metaAttributes" ct:_="" ma:_="" ma:contentTypeName="Documento" ma:contentTypeID="0x010100C1B4BA751337BB4F91F22F3BE2A1A3AC" ma:contentTypeVersion="4" ma:contentTypeDescription="Crie um novo documento." ma:contentTypeScope="" ma:versionID="08fafe90fef1b983071850aa6b0cbeb9">
   <xsd:schema xmlns:xsd="http://www.w3.org/2001/XMLSchema" xmlns:xs="http://www.w3.org/2001/XMLSchema" xmlns:p="http://schemas.microsoft.com/office/2006/metadata/properties" xmlns:ns2="fbb52d02-3130-4f22-bab7-3b5ec49a1014" targetNamespace="http://schemas.microsoft.com/office/2006/metadata/properties" ma:root="true" ma:fieldsID="31709d78263aa28caa4e81a0d766bb7d" ns2:_="">
     <xsd:import namespace="fbb52d02-3130-4f22-bab7-3b5ec49a1014"/>
@@ -6512,35 +6527,10 @@
 </ct:contentTypeSchema>
 </file>
 
-<file path=customXml/item2.xml><?xml version="1.0" encoding="utf-8"?>
-<p:properties xmlns:p="http://schemas.microsoft.com/office/2006/metadata/properties" xmlns:xsi="http://www.w3.org/2001/XMLSchema-instance" xmlns:pc="http://schemas.microsoft.com/office/infopath/2007/PartnerControls">
-  <documentManagement/>
-</p:properties>
-</file>
-
-<file path=customXml/item3.xml><?xml version="1.0" encoding="utf-8"?>
-<?mso-contentType ?>
-<FormTemplates xmlns="http://schemas.microsoft.com/sharepoint/v3/contenttype/forms">
-  <Display>DocumentLibraryForm</Display>
-  <Edit>DocumentLibraryForm</Edit>
-  <New>DocumentLibraryForm</New>
-</FormTemplates>
-</file>
-
 <file path=customXml/itemProps1.xml><?xml version="1.0" encoding="utf-8"?>
-<ds:datastoreItem xmlns:ds="http://schemas.openxmlformats.org/officeDocument/2006/customXml" ds:itemID="{D9C16C94-11CE-4395-99B3-548CAA584F27}">
+<ds:datastoreItem xmlns:ds="http://schemas.openxmlformats.org/officeDocument/2006/customXml" ds:itemID="{0E736009-D7B6-4EB1-BD39-DF5AED45BDF8}">
   <ds:schemaRefs>
-    <ds:schemaRef ds:uri="http://schemas.microsoft.com/office/2006/metadata/contentType"/>
-    <ds:schemaRef ds:uri="http://schemas.microsoft.com/office/2006/metadata/properties/metaAttributes"/>
-    <ds:schemaRef ds:uri="http://www.w3.org/2001/XMLSchema"/>
-    <ds:schemaRef ds:uri="http://schemas.microsoft.com/office/2006/metadata/properties"/>
-    <ds:schemaRef ds:uri="fbb52d02-3130-4f22-bab7-3b5ec49a1014"/>
-    <ds:schemaRef ds:uri="http://schemas.microsoft.com/office/2006/documentManagement/types"/>
-    <ds:schemaRef ds:uri="http://schemas.microsoft.com/office/infopath/2007/PartnerControls"/>
-    <ds:schemaRef ds:uri="http://schemas.openxmlformats.org/package/2006/metadata/core-properties"/>
-    <ds:schemaRef ds:uri="http://purl.org/dc/elements/1.1/"/>
-    <ds:schemaRef ds:uri="http://purl.org/dc/terms/"/>
-    <ds:schemaRef ds:uri="http://schemas.microsoft.com/internal/obd"/>
+    <ds:schemaRef ds:uri="http://schemas.microsoft.com/sharepoint/v3/contenttype/forms"/>
   </ds:schemaRefs>
 </ds:datastoreItem>
 </file>
@@ -6563,9 +6553,19 @@
 </file>
 
 <file path=customXml/itemProps3.xml><?xml version="1.0" encoding="utf-8"?>
-<ds:datastoreItem xmlns:ds="http://schemas.openxmlformats.org/officeDocument/2006/customXml" ds:itemID="{0E736009-D7B6-4EB1-BD39-DF5AED45BDF8}">
+<ds:datastoreItem xmlns:ds="http://schemas.openxmlformats.org/officeDocument/2006/customXml" ds:itemID="{D9C16C94-11CE-4395-99B3-548CAA584F27}">
   <ds:schemaRefs>
-    <ds:schemaRef ds:uri="http://schemas.microsoft.com/sharepoint/v3/contenttype/forms"/>
+    <ds:schemaRef ds:uri="http://schemas.microsoft.com/office/2006/metadata/contentType"/>
+    <ds:schemaRef ds:uri="http://schemas.microsoft.com/office/2006/metadata/properties/metaAttributes"/>
+    <ds:schemaRef ds:uri="http://www.w3.org/2001/XMLSchema"/>
+    <ds:schemaRef ds:uri="http://schemas.microsoft.com/office/2006/metadata/properties"/>
+    <ds:schemaRef ds:uri="fbb52d02-3130-4f22-bab7-3b5ec49a1014"/>
+    <ds:schemaRef ds:uri="http://schemas.microsoft.com/office/2006/documentManagement/types"/>
+    <ds:schemaRef ds:uri="http://schemas.microsoft.com/office/infopath/2007/PartnerControls"/>
+    <ds:schemaRef ds:uri="http://schemas.openxmlformats.org/package/2006/metadata/core-properties"/>
+    <ds:schemaRef ds:uri="http://purl.org/dc/elements/1.1/"/>
+    <ds:schemaRef ds:uri="http://purl.org/dc/terms/"/>
+    <ds:schemaRef ds:uri="http://schemas.microsoft.com/internal/obd"/>
   </ds:schemaRefs>
 </ds:datastoreItem>
 </file>